--- a/DBD 분석/맵 분석/3. 콜드윈드 농장(★)/3. 썩은 들판(★)/19_07_생존자(vs해그).pptx
+++ b/DBD 분석/맵 분석/3. 콜드윈드 농장(★)/3. 썩은 들판(★)/19_07_생존자(vs해그).pptx
@@ -222,7 +222,7 @@
           <a:p>
             <a:fld id="{92FB9B8E-7460-4A65-8DD1-5001397F6CD0}" type="datetimeFigureOut">
               <a:rPr lang="ko-KR" altLang="en-US" smtClean="0"/>
-              <a:t>2020-01-27</a:t>
+              <a:t>2020-02-05</a:t>
             </a:fld>
             <a:endParaRPr lang="ko-KR" altLang="en-US"/>
           </a:p>
@@ -545,7 +545,6 @@
               <a:rPr lang="en-US" altLang="ko-KR" dirty="0" smtClean="0"/>
               <a:t>https://youtu.be/BcLYcD6FBcs?list=PLiFSqqhi2IVv4mLG3oFNqOsB3G-xZ0Pfw</a:t>
             </a:r>
-            <a:endParaRPr lang="en-US" altLang="ko-KR" dirty="0" smtClean="0"/>
           </a:p>
         </p:txBody>
       </p:sp>
@@ -635,13 +634,8 @@
             </a:r>
             <a:r>
               <a:rPr lang="en-US" altLang="ko-KR" dirty="0" smtClean="0"/>
-              <a:t>: </a:t>
-            </a:r>
-            <a:r>
-              <a:rPr lang="en-US" altLang="ko-KR" dirty="0" smtClean="0"/>
-              <a:t>6:40~7:08</a:t>
-            </a:r>
-            <a:endParaRPr lang="en-US" altLang="ko-KR" dirty="0" smtClean="0"/>
+              <a:t>: 6:40~7:08</a:t>
+            </a:r>
           </a:p>
           <a:p>
             <a:r>
@@ -650,13 +644,8 @@
             </a:r>
             <a:r>
               <a:rPr lang="en-US" altLang="ko-KR" dirty="0" smtClean="0"/>
-              <a:t>: </a:t>
-            </a:r>
-            <a:r>
-              <a:rPr lang="en-US" altLang="ko-KR" dirty="0" smtClean="0"/>
-              <a:t>R3-&gt;F1</a:t>
-            </a:r>
-            <a:endParaRPr lang="en-US" altLang="ko-KR" dirty="0" smtClean="0"/>
+              <a:t>: R3-&gt;F1</a:t>
+            </a:r>
           </a:p>
           <a:p>
             <a:r>
@@ -700,11 +689,7 @@
             </a:r>
             <a:r>
               <a:rPr lang="ko-KR" altLang="en-US" baseline="0" dirty="0" smtClean="0"/>
-              <a:t>게임 </a:t>
-            </a:r>
-            <a:r>
-              <a:rPr lang="ko-KR" altLang="en-US" baseline="0" dirty="0" smtClean="0"/>
-              <a:t>해설</a:t>
+              <a:t>게임 해설</a:t>
             </a:r>
             <a:r>
               <a:rPr lang="en-US" altLang="ko-KR" baseline="0" dirty="0" smtClean="0"/>
@@ -731,11 +716,7 @@
             </a:r>
             <a:r>
               <a:rPr lang="en-US" altLang="ko-KR" baseline="0" dirty="0" smtClean="0"/>
-              <a:t>: </a:t>
-            </a:r>
-            <a:r>
-              <a:rPr lang="en-US" altLang="ko-KR" baseline="0" dirty="0" smtClean="0"/>
-              <a:t>4p</a:t>
+              <a:t>: 4p</a:t>
             </a:r>
             <a:r>
               <a:rPr lang="ko-KR" altLang="en-US" baseline="0" dirty="0" smtClean="0"/>
@@ -896,7 +877,6 @@
               <a:rPr lang="en-US" altLang="ko-KR" baseline="0" dirty="0" smtClean="0"/>
               <a:t>: </a:t>
             </a:r>
-            <a:endParaRPr lang="en-US" altLang="ko-KR" baseline="0" dirty="0" smtClean="0"/>
           </a:p>
           <a:p>
             <a:r>
@@ -1098,13 +1078,8 @@
             </a:r>
             <a:r>
               <a:rPr lang="en-US" altLang="ko-KR" dirty="0" smtClean="0"/>
-              <a:t>: </a:t>
-            </a:r>
-            <a:r>
-              <a:rPr lang="en-US" altLang="ko-KR" dirty="0" smtClean="0"/>
-              <a:t>7:08~7:26</a:t>
-            </a:r>
-            <a:endParaRPr lang="en-US" altLang="ko-KR" dirty="0" smtClean="0"/>
+              <a:t>: 7:08~7:26</a:t>
+            </a:r>
           </a:p>
           <a:p>
             <a:r>
@@ -1113,13 +1088,8 @@
             </a:r>
             <a:r>
               <a:rPr lang="en-US" altLang="ko-KR" dirty="0" smtClean="0"/>
-              <a:t>: </a:t>
-            </a:r>
-            <a:r>
-              <a:rPr lang="en-US" altLang="ko-KR" dirty="0" smtClean="0"/>
-              <a:t>F1-&gt;W4-&gt;R3-&gt;F1</a:t>
-            </a:r>
-            <a:endParaRPr lang="en-US" altLang="ko-KR" dirty="0" smtClean="0"/>
+              <a:t>: F1-&gt;W4-&gt;R3-&gt;F1</a:t>
+            </a:r>
           </a:p>
           <a:p>
             <a:r>
@@ -1171,11 +1141,7 @@
             </a:r>
             <a:r>
               <a:rPr lang="ko-KR" altLang="en-US" baseline="0" dirty="0" smtClean="0"/>
-              <a:t>게임 </a:t>
-            </a:r>
-            <a:r>
-              <a:rPr lang="ko-KR" altLang="en-US" baseline="0" dirty="0" smtClean="0"/>
-              <a:t>해설</a:t>
+              <a:t>게임 해설</a:t>
             </a:r>
             <a:r>
               <a:rPr lang="en-US" altLang="ko-KR" baseline="0" dirty="0" smtClean="0"/>
@@ -1202,11 +1168,7 @@
             </a:r>
             <a:r>
               <a:rPr lang="en-US" altLang="ko-KR" baseline="0" dirty="0" smtClean="0"/>
-              <a:t>: </a:t>
-            </a:r>
-            <a:r>
-              <a:rPr lang="en-US" altLang="ko-KR" baseline="0" dirty="0" smtClean="0"/>
-              <a:t>4p</a:t>
+              <a:t>: 4p</a:t>
             </a:r>
             <a:r>
               <a:rPr lang="ko-KR" altLang="en-US" baseline="0" dirty="0" smtClean="0"/>
@@ -1312,7 +1274,6 @@
               <a:rPr lang="en-US" altLang="ko-KR" baseline="0" dirty="0" smtClean="0"/>
               <a:t>: </a:t>
             </a:r>
-            <a:endParaRPr lang="en-US" altLang="ko-KR" baseline="0" dirty="0" smtClean="0"/>
           </a:p>
           <a:p>
             <a:r>
@@ -1480,13 +1441,8 @@
             </a:r>
             <a:r>
               <a:rPr lang="en-US" altLang="ko-KR" dirty="0" smtClean="0"/>
-              <a:t>: </a:t>
-            </a:r>
-            <a:r>
-              <a:rPr lang="en-US" altLang="ko-KR" dirty="0" smtClean="0"/>
-              <a:t>7:26~8:15</a:t>
-            </a:r>
-            <a:endParaRPr lang="en-US" altLang="ko-KR" dirty="0" smtClean="0"/>
+              <a:t>: 7:26~8:15</a:t>
+            </a:r>
           </a:p>
           <a:p>
             <a:r>
@@ -1495,13 +1451,8 @@
             </a:r>
             <a:r>
               <a:rPr lang="en-US" altLang="ko-KR" dirty="0" smtClean="0"/>
-              <a:t>: </a:t>
-            </a:r>
-            <a:r>
-              <a:rPr lang="en-US" altLang="ko-KR" dirty="0" smtClean="0"/>
-              <a:t>F1-&gt;F11-&gt;W7-&gt;R6</a:t>
-            </a:r>
-            <a:endParaRPr lang="en-US" altLang="ko-KR" dirty="0" smtClean="0"/>
+              <a:t>: F1-&gt;F11-&gt;W7-&gt;R6</a:t>
+            </a:r>
           </a:p>
           <a:p>
             <a:r>
@@ -1532,7 +1483,6 @@
               <a:rPr lang="en-US" altLang="ko-KR" baseline="0" dirty="0" smtClean="0"/>
               <a:t>, </a:t>
             </a:r>
-            <a:endParaRPr lang="en-US" altLang="ko-KR" baseline="0" dirty="0" smtClean="0"/>
           </a:p>
           <a:p>
             <a:r>
@@ -1549,11 +1499,7 @@
             </a:r>
             <a:r>
               <a:rPr lang="ko-KR" altLang="en-US" baseline="0" dirty="0" smtClean="0"/>
-              <a:t>게임 </a:t>
-            </a:r>
-            <a:r>
-              <a:rPr lang="ko-KR" altLang="en-US" baseline="0" dirty="0" smtClean="0"/>
-              <a:t>해설</a:t>
+              <a:t>게임 해설</a:t>
             </a:r>
             <a:r>
               <a:rPr lang="en-US" altLang="ko-KR" baseline="0" dirty="0" smtClean="0"/>
@@ -1580,11 +1526,7 @@
             </a:r>
             <a:r>
               <a:rPr lang="en-US" altLang="ko-KR" baseline="0" dirty="0" smtClean="0"/>
-              <a:t>: </a:t>
-            </a:r>
-            <a:r>
-              <a:rPr lang="en-US" altLang="ko-KR" baseline="0" dirty="0" smtClean="0"/>
-              <a:t>3p</a:t>
+              <a:t>: 3p</a:t>
             </a:r>
             <a:r>
               <a:rPr lang="ko-KR" altLang="en-US" baseline="0" dirty="0" smtClean="0"/>
@@ -1815,7 +1757,6 @@
               <a:rPr lang="en-US" altLang="ko-KR" baseline="0" dirty="0" smtClean="0"/>
               <a:t>: </a:t>
             </a:r>
-            <a:endParaRPr lang="en-US" altLang="ko-KR" baseline="0" dirty="0" smtClean="0"/>
           </a:p>
           <a:p>
             <a:r>
@@ -2061,13 +2002,8 @@
             </a:r>
             <a:r>
               <a:rPr lang="en-US" altLang="ko-KR" dirty="0" smtClean="0"/>
-              <a:t>: </a:t>
-            </a:r>
-            <a:r>
-              <a:rPr lang="en-US" altLang="ko-KR" dirty="0" smtClean="0"/>
-              <a:t>8:15~8:30</a:t>
-            </a:r>
-            <a:endParaRPr lang="en-US" altLang="ko-KR" dirty="0" smtClean="0"/>
+              <a:t>: 8:15~8:30</a:t>
+            </a:r>
           </a:p>
           <a:p>
             <a:r>
@@ -2076,13 +2012,8 @@
             </a:r>
             <a:r>
               <a:rPr lang="en-US" altLang="ko-KR" dirty="0" smtClean="0"/>
-              <a:t>: </a:t>
-            </a:r>
-            <a:r>
-              <a:rPr lang="en-US" altLang="ko-KR" dirty="0" smtClean="0"/>
-              <a:t>R6-&gt;F11</a:t>
-            </a:r>
-            <a:endParaRPr lang="en-US" altLang="ko-KR" dirty="0" smtClean="0"/>
+              <a:t>: R6-&gt;F11</a:t>
+            </a:r>
           </a:p>
           <a:p>
             <a:r>
@@ -2113,7 +2044,6 @@
               <a:rPr lang="en-US" altLang="ko-KR" baseline="0" dirty="0" smtClean="0"/>
               <a:t>) </a:t>
             </a:r>
-            <a:endParaRPr lang="en-US" altLang="ko-KR" baseline="0" dirty="0" smtClean="0"/>
           </a:p>
           <a:p>
             <a:r>
@@ -2141,11 +2071,7 @@
             </a:r>
             <a:r>
               <a:rPr lang="en-US" altLang="ko-KR" baseline="0" dirty="0" smtClean="0"/>
-              <a:t>: </a:t>
-            </a:r>
-            <a:r>
-              <a:rPr lang="en-US" altLang="ko-KR" baseline="0" dirty="0" smtClean="0"/>
-              <a:t>3p</a:t>
+              <a:t>: 3p</a:t>
             </a:r>
             <a:r>
               <a:rPr lang="ko-KR" altLang="en-US" baseline="0" dirty="0" smtClean="0"/>
@@ -2250,7 +2176,6 @@
               <a:rPr lang="en-US" altLang="ko-KR" baseline="0" dirty="0" smtClean="0"/>
               <a:t>: </a:t>
             </a:r>
-            <a:endParaRPr lang="en-US" altLang="ko-KR" baseline="0" dirty="0" smtClean="0"/>
           </a:p>
           <a:p>
             <a:r>
@@ -2450,13 +2375,8 @@
             </a:r>
             <a:r>
               <a:rPr lang="en-US" altLang="ko-KR" dirty="0" smtClean="0"/>
-              <a:t>: </a:t>
-            </a:r>
-            <a:r>
-              <a:rPr lang="en-US" altLang="ko-KR" dirty="0" smtClean="0"/>
-              <a:t>8:30~9:45</a:t>
-            </a:r>
-            <a:endParaRPr lang="en-US" altLang="ko-KR" dirty="0" smtClean="0"/>
+              <a:t>: 8:30~9:45</a:t>
+            </a:r>
           </a:p>
           <a:p>
             <a:r>
@@ -2465,13 +2385,8 @@
             </a:r>
             <a:r>
               <a:rPr lang="en-US" altLang="ko-KR" dirty="0" smtClean="0"/>
-              <a:t>: </a:t>
-            </a:r>
-            <a:r>
-              <a:rPr lang="en-US" altLang="ko-KR" dirty="0" smtClean="0"/>
-              <a:t>F11-&gt;U1-&gt;U3-&gt;W6-&gt;KS</a:t>
-            </a:r>
-            <a:endParaRPr lang="en-US" altLang="ko-KR" dirty="0" smtClean="0"/>
+              <a:t>: F11-&gt;U1-&gt;U3-&gt;W6-&gt;KS</a:t>
+            </a:r>
           </a:p>
           <a:p>
             <a:r>
@@ -2893,7 +2808,6 @@
               <a:rPr lang="en-US" altLang="ko-KR" baseline="0" dirty="0" smtClean="0"/>
               <a:t>: </a:t>
             </a:r>
-            <a:endParaRPr lang="en-US" altLang="ko-KR" baseline="0" dirty="0" smtClean="0"/>
           </a:p>
           <a:p>
             <a:r>
@@ -3223,13 +3137,8 @@
             </a:r>
             <a:r>
               <a:rPr lang="en-US" altLang="ko-KR" dirty="0" smtClean="0"/>
-              <a:t>: </a:t>
-            </a:r>
-            <a:r>
-              <a:rPr lang="en-US" altLang="ko-KR" dirty="0" smtClean="0"/>
-              <a:t>9:45~10:45</a:t>
-            </a:r>
-            <a:endParaRPr lang="en-US" altLang="ko-KR" dirty="0" smtClean="0"/>
+              <a:t>: 9:45~10:45</a:t>
+            </a:r>
           </a:p>
           <a:p>
             <a:r>
@@ -3238,13 +3147,8 @@
             </a:r>
             <a:r>
               <a:rPr lang="en-US" altLang="ko-KR" dirty="0" smtClean="0"/>
-              <a:t>: </a:t>
-            </a:r>
-            <a:r>
-              <a:rPr lang="en-US" altLang="ko-KR" dirty="0" smtClean="0"/>
-              <a:t>KS</a:t>
-            </a:r>
-            <a:endParaRPr lang="en-US" altLang="ko-KR" dirty="0" smtClean="0"/>
+              <a:t>: KS</a:t>
+            </a:r>
           </a:p>
           <a:p>
             <a:r>
@@ -3620,7 +3524,6 @@
               <a:rPr lang="en-US" altLang="ko-KR" baseline="0" dirty="0" smtClean="0"/>
               <a:t>: </a:t>
             </a:r>
-            <a:endParaRPr lang="en-US" altLang="ko-KR" baseline="0" dirty="0" smtClean="0"/>
           </a:p>
           <a:p>
             <a:r>
@@ -4000,13 +3903,8 @@
             </a:r>
             <a:r>
               <a:rPr lang="en-US" altLang="ko-KR" dirty="0" smtClean="0"/>
-              <a:t>: </a:t>
-            </a:r>
-            <a:r>
-              <a:rPr lang="en-US" altLang="ko-KR" dirty="0" smtClean="0"/>
-              <a:t>1:10~2:00</a:t>
-            </a:r>
-            <a:endParaRPr lang="en-US" altLang="ko-KR" dirty="0" smtClean="0"/>
+              <a:t>: 1:10~2:00</a:t>
+            </a:r>
           </a:p>
           <a:p>
             <a:r>
@@ -4015,13 +3913,8 @@
             </a:r>
             <a:r>
               <a:rPr lang="en-US" altLang="ko-KR" dirty="0" smtClean="0"/>
-              <a:t>: </a:t>
-            </a:r>
-            <a:r>
-              <a:rPr lang="en-US" altLang="ko-KR" dirty="0" smtClean="0"/>
-              <a:t>R3-&gt;F1-&gt;F3-&gt;U2-&gt;R4-&gt;W3</a:t>
-            </a:r>
-            <a:endParaRPr lang="en-US" altLang="ko-KR" dirty="0" smtClean="0"/>
+              <a:t>: R3-&gt;F1-&gt;F3-&gt;U2-&gt;R4-&gt;W3</a:t>
+            </a:r>
           </a:p>
           <a:p>
             <a:r>
@@ -4042,11 +3935,7 @@
             </a:r>
             <a:r>
               <a:rPr lang="ko-KR" altLang="en-US" dirty="0" smtClean="0"/>
-              <a:t>발전기 </a:t>
-            </a:r>
-            <a:r>
-              <a:rPr lang="ko-KR" altLang="en-US" dirty="0" smtClean="0"/>
-              <a:t>수리</a:t>
+              <a:t>발전기 수리</a:t>
             </a:r>
             <a:r>
               <a:rPr lang="en-US" altLang="ko-KR" dirty="0" smtClean="0"/>
@@ -4081,11 +3970,7 @@
             </a:r>
             <a:r>
               <a:rPr lang="ko-KR" altLang="en-US" baseline="0" dirty="0" smtClean="0"/>
-              <a:t>게임 </a:t>
-            </a:r>
-            <a:r>
-              <a:rPr lang="ko-KR" altLang="en-US" baseline="0" dirty="0" smtClean="0"/>
-              <a:t>해설</a:t>
+              <a:t>게임 해설</a:t>
             </a:r>
             <a:r>
               <a:rPr lang="en-US" altLang="ko-KR" baseline="0" dirty="0" smtClean="0"/>
@@ -4146,7 +4031,6 @@
               <a:rPr lang="en-US" altLang="ko-KR" baseline="0" dirty="0" smtClean="0"/>
               <a:t>(W3)</a:t>
             </a:r>
-            <a:endParaRPr lang="en-US" altLang="ko-KR" baseline="0" dirty="0" smtClean="0"/>
           </a:p>
           <a:p>
             <a:r>
@@ -4487,13 +4371,8 @@
             </a:r>
             <a:r>
               <a:rPr lang="en-US" altLang="ko-KR" dirty="0" smtClean="0"/>
-              <a:t>: </a:t>
-            </a:r>
-            <a:r>
-              <a:rPr lang="en-US" altLang="ko-KR" dirty="0" smtClean="0"/>
-              <a:t>2:00~2:20</a:t>
-            </a:r>
-            <a:endParaRPr lang="en-US" altLang="ko-KR" dirty="0" smtClean="0"/>
+              <a:t>: 2:00~2:20</a:t>
+            </a:r>
           </a:p>
           <a:p>
             <a:r>
@@ -4502,13 +4381,8 @@
             </a:r>
             <a:r>
               <a:rPr lang="en-US" altLang="ko-KR" dirty="0" smtClean="0"/>
-              <a:t>: </a:t>
-            </a:r>
-            <a:r>
-              <a:rPr lang="en-US" altLang="ko-KR" dirty="0" smtClean="0"/>
-              <a:t>W3-&gt;U1-&gt;W1</a:t>
-            </a:r>
-            <a:endParaRPr lang="en-US" altLang="ko-KR" dirty="0" smtClean="0"/>
+              <a:t>: W3-&gt;U1-&gt;W1</a:t>
+            </a:r>
           </a:p>
           <a:p>
             <a:r>
@@ -4540,11 +4414,7 @@
             </a:r>
             <a:r>
               <a:rPr lang="ko-KR" altLang="en-US" baseline="0" dirty="0" smtClean="0"/>
-              <a:t>게임 </a:t>
-            </a:r>
-            <a:r>
-              <a:rPr lang="ko-KR" altLang="en-US" baseline="0" dirty="0" smtClean="0"/>
-              <a:t>해설</a:t>
+              <a:t>게임 해설</a:t>
             </a:r>
             <a:endParaRPr lang="en-US" altLang="ko-KR" baseline="0" dirty="0" smtClean="0"/>
           </a:p>
@@ -4723,7 +4593,6 @@
               <a:rPr lang="en-US" altLang="ko-KR" baseline="0" dirty="0" smtClean="0"/>
               <a:t>)</a:t>
             </a:r>
-            <a:endParaRPr lang="en-US" altLang="ko-KR" baseline="0" dirty="0" smtClean="0"/>
           </a:p>
         </p:txBody>
       </p:sp>
@@ -4813,13 +4682,8 @@
             </a:r>
             <a:r>
               <a:rPr lang="en-US" altLang="ko-KR" dirty="0" smtClean="0"/>
-              <a:t>: </a:t>
-            </a:r>
-            <a:r>
-              <a:rPr lang="en-US" altLang="ko-KR" dirty="0" smtClean="0"/>
-              <a:t>2:20~3:00</a:t>
-            </a:r>
-            <a:endParaRPr lang="en-US" altLang="ko-KR" dirty="0" smtClean="0"/>
+              <a:t>: 2:20~3:00</a:t>
+            </a:r>
           </a:p>
           <a:p>
             <a:r>
@@ -4828,13 +4692,8 @@
             </a:r>
             <a:r>
               <a:rPr lang="en-US" altLang="ko-KR" dirty="0" smtClean="0"/>
-              <a:t>: </a:t>
-            </a:r>
-            <a:r>
-              <a:rPr lang="en-US" altLang="ko-KR" dirty="0" smtClean="0"/>
-              <a:t>W1-&gt;KS</a:t>
-            </a:r>
-            <a:endParaRPr lang="en-US" altLang="ko-KR" dirty="0" smtClean="0"/>
+              <a:t>: W1-&gt;KS</a:t>
+            </a:r>
           </a:p>
           <a:p>
             <a:r>
@@ -4890,11 +4749,7 @@
             </a:r>
             <a:r>
               <a:rPr lang="ko-KR" altLang="en-US" baseline="0" dirty="0" smtClean="0"/>
-              <a:t>게임 </a:t>
-            </a:r>
-            <a:r>
-              <a:rPr lang="ko-KR" altLang="en-US" baseline="0" dirty="0" smtClean="0"/>
-              <a:t>해설</a:t>
+              <a:t>게임 해설</a:t>
             </a:r>
             <a:endParaRPr lang="en-US" altLang="ko-KR" baseline="0" dirty="0" smtClean="0"/>
           </a:p>
@@ -5287,7 +5142,6 @@
               <a:rPr lang="en-US" altLang="ko-KR" baseline="0" dirty="0" smtClean="0"/>
               <a:t>)</a:t>
             </a:r>
-            <a:endParaRPr lang="en-US" altLang="ko-KR" baseline="0" dirty="0" smtClean="0"/>
           </a:p>
         </p:txBody>
       </p:sp>
@@ -5377,13 +5231,8 @@
             </a:r>
             <a:r>
               <a:rPr lang="en-US" altLang="ko-KR" dirty="0" smtClean="0"/>
-              <a:t>: </a:t>
-            </a:r>
-            <a:r>
-              <a:rPr lang="en-US" altLang="ko-KR" dirty="0" smtClean="0"/>
-              <a:t>3:00~3:45</a:t>
-            </a:r>
-            <a:endParaRPr lang="en-US" altLang="ko-KR" dirty="0" smtClean="0"/>
+              <a:t>: 3:00~3:45</a:t>
+            </a:r>
           </a:p>
           <a:p>
             <a:r>
@@ -5392,13 +5241,8 @@
             </a:r>
             <a:r>
               <a:rPr lang="en-US" altLang="ko-KR" dirty="0" smtClean="0"/>
-              <a:t>: </a:t>
-            </a:r>
-            <a:r>
-              <a:rPr lang="en-US" altLang="ko-KR" dirty="0" smtClean="0"/>
-              <a:t>KS-&gt;F7-&gt;F10-&gt;W2-&gt;W1-&gt;U1</a:t>
-            </a:r>
-            <a:endParaRPr lang="en-US" altLang="ko-KR" dirty="0" smtClean="0"/>
+              <a:t>: KS-&gt;F7-&gt;F10-&gt;W2-&gt;W1-&gt;U1</a:t>
+            </a:r>
           </a:p>
           <a:p>
             <a:r>
@@ -5458,11 +5302,7 @@
             </a:r>
             <a:r>
               <a:rPr lang="ko-KR" altLang="en-US" baseline="0" dirty="0" smtClean="0"/>
-              <a:t>게임 </a:t>
-            </a:r>
-            <a:r>
-              <a:rPr lang="ko-KR" altLang="en-US" baseline="0" dirty="0" smtClean="0"/>
-              <a:t>해설</a:t>
+              <a:t>게임 해설</a:t>
             </a:r>
             <a:endParaRPr lang="en-US" altLang="ko-KR" baseline="0" dirty="0" smtClean="0"/>
           </a:p>
@@ -5884,7 +5724,6 @@
               <a:rPr lang="en-US" altLang="ko-KR" baseline="0" dirty="0" smtClean="0"/>
               <a:t>)</a:t>
             </a:r>
-            <a:endParaRPr lang="en-US" altLang="ko-KR" baseline="0" dirty="0" smtClean="0"/>
           </a:p>
         </p:txBody>
       </p:sp>
@@ -5974,13 +5813,8 @@
             </a:r>
             <a:r>
               <a:rPr lang="en-US" altLang="ko-KR" dirty="0" smtClean="0"/>
-              <a:t>: </a:t>
-            </a:r>
-            <a:r>
-              <a:rPr lang="en-US" altLang="ko-KR" dirty="0" smtClean="0"/>
-              <a:t>3:45~4:17</a:t>
-            </a:r>
-            <a:endParaRPr lang="en-US" altLang="ko-KR" dirty="0" smtClean="0"/>
+              <a:t>: 3:45~4:17</a:t>
+            </a:r>
           </a:p>
           <a:p>
             <a:r>
@@ -5989,13 +5823,8 @@
             </a:r>
             <a:r>
               <a:rPr lang="en-US" altLang="ko-KR" dirty="0" smtClean="0"/>
-              <a:t>: </a:t>
-            </a:r>
-            <a:r>
-              <a:rPr lang="en-US" altLang="ko-KR" dirty="0" smtClean="0"/>
-              <a:t>U1</a:t>
-            </a:r>
-            <a:endParaRPr lang="en-US" altLang="ko-KR" dirty="0" smtClean="0"/>
+              <a:t>: U1</a:t>
+            </a:r>
           </a:p>
           <a:p>
             <a:r>
@@ -6039,11 +5868,7 @@
             </a:r>
             <a:r>
               <a:rPr lang="ko-KR" altLang="en-US" baseline="0" dirty="0" smtClean="0"/>
-              <a:t>게임 </a:t>
-            </a:r>
-            <a:r>
-              <a:rPr lang="ko-KR" altLang="en-US" baseline="0" dirty="0" smtClean="0"/>
-              <a:t>해설</a:t>
+              <a:t>게임 해설</a:t>
             </a:r>
             <a:r>
               <a:rPr lang="en-US" altLang="ko-KR" baseline="0" dirty="0" smtClean="0"/>
@@ -6070,11 +5895,7 @@
             </a:r>
             <a:r>
               <a:rPr lang="en-US" altLang="ko-KR" baseline="0" dirty="0" smtClean="0"/>
-              <a:t>: </a:t>
-            </a:r>
-            <a:r>
-              <a:rPr lang="en-US" altLang="ko-KR" baseline="0" dirty="0" smtClean="0"/>
-              <a:t>3p</a:t>
+              <a:t>: 3p</a:t>
             </a:r>
             <a:r>
               <a:rPr lang="ko-KR" altLang="en-US" baseline="0" dirty="0" smtClean="0"/>
@@ -6297,7 +6118,6 @@
               <a:rPr lang="en-US" altLang="ko-KR" baseline="0" dirty="0" smtClean="0"/>
               <a:t>: </a:t>
             </a:r>
-            <a:endParaRPr lang="en-US" altLang="ko-KR" baseline="0" dirty="0" smtClean="0"/>
           </a:p>
           <a:p>
             <a:r>
@@ -6421,7 +6241,6 @@
               <a:rPr lang="en-US" altLang="ko-KR" baseline="0" dirty="0" smtClean="0"/>
               <a:t>)</a:t>
             </a:r>
-            <a:endParaRPr lang="en-US" altLang="ko-KR" baseline="0" dirty="0" smtClean="0"/>
           </a:p>
         </p:txBody>
       </p:sp>
@@ -6511,13 +6330,8 @@
             </a:r>
             <a:r>
               <a:rPr lang="en-US" altLang="ko-KR" dirty="0" smtClean="0"/>
-              <a:t>: </a:t>
-            </a:r>
-            <a:r>
-              <a:rPr lang="en-US" altLang="ko-KR" dirty="0" smtClean="0"/>
-              <a:t>4:17~5:15</a:t>
-            </a:r>
-            <a:endParaRPr lang="en-US" altLang="ko-KR" dirty="0" smtClean="0"/>
+              <a:t>: 4:17~5:15</a:t>
+            </a:r>
           </a:p>
           <a:p>
             <a:r>
@@ -6526,13 +6340,8 @@
             </a:r>
             <a:r>
               <a:rPr lang="en-US" altLang="ko-KR" dirty="0" smtClean="0"/>
-              <a:t>: </a:t>
-            </a:r>
-            <a:r>
-              <a:rPr lang="en-US" altLang="ko-KR" dirty="0" smtClean="0"/>
-              <a:t>U1-&gt;U3-&gt;W6-&gt;W2-&gt;W3</a:t>
-            </a:r>
-            <a:endParaRPr lang="en-US" altLang="ko-KR" dirty="0" smtClean="0"/>
+              <a:t>: U1-&gt;U3-&gt;W6-&gt;W2-&gt;W3</a:t>
+            </a:r>
           </a:p>
           <a:p>
             <a:r>
@@ -6592,11 +6401,7 @@
             </a:r>
             <a:r>
               <a:rPr lang="ko-KR" altLang="en-US" baseline="0" dirty="0" smtClean="0"/>
-              <a:t>게임 </a:t>
-            </a:r>
-            <a:r>
-              <a:rPr lang="ko-KR" altLang="en-US" baseline="0" dirty="0" smtClean="0"/>
-              <a:t>해설</a:t>
+              <a:t>게임 해설</a:t>
             </a:r>
             <a:r>
               <a:rPr lang="en-US" altLang="ko-KR" baseline="0" dirty="0" smtClean="0"/>
@@ -6832,7 +6637,6 @@
               <a:rPr lang="en-US" altLang="ko-KR" baseline="0" dirty="0" smtClean="0"/>
               <a:t>: </a:t>
             </a:r>
-            <a:endParaRPr lang="en-US" altLang="ko-KR" baseline="0" dirty="0" smtClean="0"/>
           </a:p>
           <a:p>
             <a:r>
@@ -7118,13 +6922,8 @@
             </a:r>
             <a:r>
               <a:rPr lang="en-US" altLang="ko-KR" dirty="0" smtClean="0"/>
-              <a:t>: </a:t>
-            </a:r>
-            <a:r>
-              <a:rPr lang="en-US" altLang="ko-KR" dirty="0" smtClean="0"/>
-              <a:t>5:15~5:57</a:t>
-            </a:r>
-            <a:endParaRPr lang="en-US" altLang="ko-KR" dirty="0" smtClean="0"/>
+              <a:t>: 5:15~5:57</a:t>
+            </a:r>
           </a:p>
           <a:p>
             <a:r>
@@ -7133,13 +6932,8 @@
             </a:r>
             <a:r>
               <a:rPr lang="en-US" altLang="ko-KR" dirty="0" smtClean="0"/>
-              <a:t>: </a:t>
-            </a:r>
-            <a:r>
-              <a:rPr lang="en-US" altLang="ko-KR" dirty="0" smtClean="0"/>
-              <a:t>W3-U1-&gt;W4-&gt;R3</a:t>
-            </a:r>
-            <a:endParaRPr lang="en-US" altLang="ko-KR" dirty="0" smtClean="0"/>
+              <a:t>: W3-U1-&gt;W4-&gt;R3</a:t>
+            </a:r>
           </a:p>
           <a:p>
             <a:r>
@@ -7187,11 +6981,7 @@
             </a:r>
             <a:r>
               <a:rPr lang="ko-KR" altLang="en-US" baseline="0" dirty="0" smtClean="0"/>
-              <a:t>게임 </a:t>
-            </a:r>
-            <a:r>
-              <a:rPr lang="ko-KR" altLang="en-US" baseline="0" dirty="0" smtClean="0"/>
-              <a:t>해설</a:t>
+              <a:t>게임 해설</a:t>
             </a:r>
             <a:r>
               <a:rPr lang="en-US" altLang="ko-KR" baseline="0" dirty="0" smtClean="0"/>
@@ -7426,7 +7216,6 @@
               <a:rPr lang="en-US" altLang="ko-KR" baseline="0" dirty="0" smtClean="0"/>
               <a:t>: </a:t>
             </a:r>
-            <a:endParaRPr lang="en-US" altLang="ko-KR" baseline="0" dirty="0" smtClean="0"/>
           </a:p>
           <a:p>
             <a:r>
@@ -7688,13 +7477,8 @@
             </a:r>
             <a:r>
               <a:rPr lang="en-US" altLang="ko-KR" dirty="0" smtClean="0"/>
-              <a:t>: </a:t>
-            </a:r>
-            <a:r>
-              <a:rPr lang="en-US" altLang="ko-KR" dirty="0" smtClean="0"/>
-              <a:t>5:57~6:40</a:t>
-            </a:r>
-            <a:endParaRPr lang="en-US" altLang="ko-KR" dirty="0" smtClean="0"/>
+              <a:t>: 5:57~6:40</a:t>
+            </a:r>
           </a:p>
           <a:p>
             <a:r>
@@ -7703,13 +7487,8 @@
             </a:r>
             <a:r>
               <a:rPr lang="en-US" altLang="ko-KR" dirty="0" smtClean="0"/>
-              <a:t>: </a:t>
-            </a:r>
-            <a:r>
-              <a:rPr lang="en-US" altLang="ko-KR" dirty="0" smtClean="0"/>
-              <a:t>R3</a:t>
-            </a:r>
-            <a:endParaRPr lang="en-US" altLang="ko-KR" dirty="0" smtClean="0"/>
+              <a:t>: R3</a:t>
+            </a:r>
           </a:p>
           <a:p>
             <a:r>
@@ -7741,11 +7520,7 @@
             </a:r>
             <a:r>
               <a:rPr lang="ko-KR" altLang="en-US" baseline="0" dirty="0" smtClean="0"/>
-              <a:t>게임 </a:t>
-            </a:r>
-            <a:r>
-              <a:rPr lang="ko-KR" altLang="en-US" baseline="0" dirty="0" smtClean="0"/>
-              <a:t>해설</a:t>
+              <a:t>게임 해설</a:t>
             </a:r>
             <a:r>
               <a:rPr lang="en-US" altLang="ko-KR" baseline="0" dirty="0" smtClean="0"/>
@@ -7772,11 +7547,7 @@
             </a:r>
             <a:r>
               <a:rPr lang="en-US" altLang="ko-KR" baseline="0" dirty="0" smtClean="0"/>
-              <a:t>: </a:t>
-            </a:r>
-            <a:r>
-              <a:rPr lang="en-US" altLang="ko-KR" baseline="0" dirty="0" smtClean="0"/>
-              <a:t>4p</a:t>
+              <a:t>: 4p</a:t>
             </a:r>
             <a:r>
               <a:rPr lang="ko-KR" altLang="en-US" baseline="0" dirty="0" smtClean="0"/>
@@ -8022,7 +7793,6 @@
               <a:rPr lang="en-US" altLang="ko-KR" baseline="0" dirty="0" smtClean="0"/>
               <a:t>: </a:t>
             </a:r>
-            <a:endParaRPr lang="en-US" altLang="ko-KR" baseline="0" dirty="0" smtClean="0"/>
           </a:p>
           <a:p>
             <a:r>
@@ -8349,7 +8119,7 @@
           <a:p>
             <a:fld id="{F86301F8-5A19-4D53-B525-D052BC8201C6}" type="datetimeFigureOut">
               <a:rPr lang="ko-KR" altLang="en-US" smtClean="0"/>
-              <a:t>2020-01-27</a:t>
+              <a:t>2020-02-05</a:t>
             </a:fld>
             <a:endParaRPr lang="ko-KR" altLang="en-US"/>
           </a:p>
@@ -8519,7 +8289,7 @@
           <a:p>
             <a:fld id="{F86301F8-5A19-4D53-B525-D052BC8201C6}" type="datetimeFigureOut">
               <a:rPr lang="ko-KR" altLang="en-US" smtClean="0"/>
-              <a:t>2020-01-27</a:t>
+              <a:t>2020-02-05</a:t>
             </a:fld>
             <a:endParaRPr lang="ko-KR" altLang="en-US"/>
           </a:p>
@@ -8699,7 +8469,7 @@
           <a:p>
             <a:fld id="{F86301F8-5A19-4D53-B525-D052BC8201C6}" type="datetimeFigureOut">
               <a:rPr lang="ko-KR" altLang="en-US" smtClean="0"/>
-              <a:t>2020-01-27</a:t>
+              <a:t>2020-02-05</a:t>
             </a:fld>
             <a:endParaRPr lang="ko-KR" altLang="en-US"/>
           </a:p>
@@ -8869,7 +8639,7 @@
           <a:p>
             <a:fld id="{F86301F8-5A19-4D53-B525-D052BC8201C6}" type="datetimeFigureOut">
               <a:rPr lang="ko-KR" altLang="en-US" smtClean="0"/>
-              <a:t>2020-01-27</a:t>
+              <a:t>2020-02-05</a:t>
             </a:fld>
             <a:endParaRPr lang="ko-KR" altLang="en-US"/>
           </a:p>
@@ -9115,7 +8885,7 @@
           <a:p>
             <a:fld id="{F86301F8-5A19-4D53-B525-D052BC8201C6}" type="datetimeFigureOut">
               <a:rPr lang="ko-KR" altLang="en-US" smtClean="0"/>
-              <a:t>2020-01-27</a:t>
+              <a:t>2020-02-05</a:t>
             </a:fld>
             <a:endParaRPr lang="ko-KR" altLang="en-US"/>
           </a:p>
@@ -9347,7 +9117,7 @@
           <a:p>
             <a:fld id="{F86301F8-5A19-4D53-B525-D052BC8201C6}" type="datetimeFigureOut">
               <a:rPr lang="ko-KR" altLang="en-US" smtClean="0"/>
-              <a:t>2020-01-27</a:t>
+              <a:t>2020-02-05</a:t>
             </a:fld>
             <a:endParaRPr lang="ko-KR" altLang="en-US"/>
           </a:p>
@@ -9714,7 +9484,7 @@
           <a:p>
             <a:fld id="{F86301F8-5A19-4D53-B525-D052BC8201C6}" type="datetimeFigureOut">
               <a:rPr lang="ko-KR" altLang="en-US" smtClean="0"/>
-              <a:t>2020-01-27</a:t>
+              <a:t>2020-02-05</a:t>
             </a:fld>
             <a:endParaRPr lang="ko-KR" altLang="en-US"/>
           </a:p>
@@ -9832,7 +9602,7 @@
           <a:p>
             <a:fld id="{F86301F8-5A19-4D53-B525-D052BC8201C6}" type="datetimeFigureOut">
               <a:rPr lang="ko-KR" altLang="en-US" smtClean="0"/>
-              <a:t>2020-01-27</a:t>
+              <a:t>2020-02-05</a:t>
             </a:fld>
             <a:endParaRPr lang="ko-KR" altLang="en-US"/>
           </a:p>
@@ -9927,7 +9697,7 @@
           <a:p>
             <a:fld id="{F86301F8-5A19-4D53-B525-D052BC8201C6}" type="datetimeFigureOut">
               <a:rPr lang="ko-KR" altLang="en-US" smtClean="0"/>
-              <a:t>2020-01-27</a:t>
+              <a:t>2020-02-05</a:t>
             </a:fld>
             <a:endParaRPr lang="ko-KR" altLang="en-US"/>
           </a:p>
@@ -10204,7 +9974,7 @@
           <a:p>
             <a:fld id="{F86301F8-5A19-4D53-B525-D052BC8201C6}" type="datetimeFigureOut">
               <a:rPr lang="ko-KR" altLang="en-US" smtClean="0"/>
-              <a:t>2020-01-27</a:t>
+              <a:t>2020-02-05</a:t>
             </a:fld>
             <a:endParaRPr lang="ko-KR" altLang="en-US"/>
           </a:p>
@@ -10457,7 +10227,7 @@
           <a:p>
             <a:fld id="{F86301F8-5A19-4D53-B525-D052BC8201C6}" type="datetimeFigureOut">
               <a:rPr lang="ko-KR" altLang="en-US" smtClean="0"/>
-              <a:t>2020-01-27</a:t>
+              <a:t>2020-02-05</a:t>
             </a:fld>
             <a:endParaRPr lang="ko-KR" altLang="en-US"/>
           </a:p>
@@ -10670,7 +10440,7 @@
           <a:p>
             <a:fld id="{F86301F8-5A19-4D53-B525-D052BC8201C6}" type="datetimeFigureOut">
               <a:rPr lang="ko-KR" altLang="en-US" smtClean="0"/>
-              <a:t>2020-01-27</a:t>
+              <a:t>2020-02-05</a:t>
             </a:fld>
             <a:endParaRPr lang="ko-KR" altLang="en-US"/>
           </a:p>
@@ -12985,11 +12755,7 @@
             </a:r>
             <a:r>
               <a:rPr lang="en-US" altLang="ko-KR" dirty="0" smtClean="0"/>
-              <a:t>(</a:t>
-            </a:r>
-            <a:r>
-              <a:rPr lang="en-US" altLang="ko-KR" dirty="0" smtClean="0"/>
-              <a:t>vs</a:t>
+              <a:t>(vs</a:t>
             </a:r>
             <a:r>
               <a:rPr lang="ko-KR" altLang="en-US" dirty="0" err="1" smtClean="0"/>
@@ -15158,11 +14924,7 @@
             </a:r>
             <a:r>
               <a:rPr lang="en-US" altLang="ko-KR" dirty="0" smtClean="0"/>
-              <a:t>(</a:t>
-            </a:r>
-            <a:r>
-              <a:rPr lang="en-US" altLang="ko-KR" dirty="0" smtClean="0"/>
-              <a:t>vs</a:t>
+              <a:t>(vs</a:t>
             </a:r>
             <a:r>
               <a:rPr lang="ko-KR" altLang="en-US" dirty="0" err="1" smtClean="0"/>
@@ -17261,11 +17023,7 @@
             </a:r>
             <a:r>
               <a:rPr lang="en-US" altLang="ko-KR" dirty="0" smtClean="0"/>
-              <a:t>(</a:t>
-            </a:r>
-            <a:r>
-              <a:rPr lang="en-US" altLang="ko-KR" dirty="0" smtClean="0"/>
-              <a:t>vs</a:t>
+              <a:t>(vs</a:t>
             </a:r>
             <a:r>
               <a:rPr lang="ko-KR" altLang="en-US" dirty="0" err="1" smtClean="0"/>
@@ -19436,11 +19194,7 @@
             </a:r>
             <a:r>
               <a:rPr lang="en-US" altLang="ko-KR" dirty="0" smtClean="0"/>
-              <a:t>(</a:t>
-            </a:r>
-            <a:r>
-              <a:rPr lang="en-US" altLang="ko-KR" dirty="0" smtClean="0"/>
-              <a:t>vs</a:t>
+              <a:t>(vs</a:t>
             </a:r>
             <a:r>
               <a:rPr lang="ko-KR" altLang="en-US" dirty="0" err="1" smtClean="0"/>
@@ -21613,11 +21367,7 @@
             </a:r>
             <a:r>
               <a:rPr lang="en-US" altLang="ko-KR" dirty="0" smtClean="0"/>
-              <a:t>(</a:t>
-            </a:r>
-            <a:r>
-              <a:rPr lang="en-US" altLang="ko-KR" dirty="0" smtClean="0"/>
-              <a:t>vs</a:t>
+              <a:t>(vs</a:t>
             </a:r>
             <a:r>
               <a:rPr lang="ko-KR" altLang="en-US" dirty="0" err="1" smtClean="0"/>
@@ -23718,11 +23468,7 @@
             </a:r>
             <a:r>
               <a:rPr lang="en-US" altLang="ko-KR" dirty="0" smtClean="0"/>
-              <a:t>(</a:t>
-            </a:r>
-            <a:r>
-              <a:rPr lang="en-US" altLang="ko-KR" dirty="0" smtClean="0"/>
-              <a:t>vs</a:t>
+              <a:t>(vs</a:t>
             </a:r>
             <a:r>
               <a:rPr lang="ko-KR" altLang="en-US" dirty="0" err="1" smtClean="0"/>
@@ -25933,11 +25679,7 @@
             </a:r>
             <a:r>
               <a:rPr lang="en-US" altLang="ko-KR" dirty="0" smtClean="0"/>
-              <a:t>(</a:t>
-            </a:r>
-            <a:r>
-              <a:rPr lang="en-US" altLang="ko-KR" dirty="0" smtClean="0"/>
-              <a:t>vs</a:t>
+              <a:t>(vs</a:t>
             </a:r>
             <a:r>
               <a:rPr lang="ko-KR" altLang="en-US" dirty="0" err="1" smtClean="0"/>
@@ -28173,11 +27915,7 @@
             </a:r>
             <a:r>
               <a:rPr lang="en-US" altLang="ko-KR" dirty="0" smtClean="0"/>
-              <a:t>(</a:t>
-            </a:r>
-            <a:r>
-              <a:rPr lang="en-US" altLang="ko-KR" dirty="0" smtClean="0"/>
-              <a:t>vs</a:t>
+              <a:t>(vs</a:t>
             </a:r>
             <a:r>
               <a:rPr lang="ko-KR" altLang="en-US" dirty="0" err="1" smtClean="0"/>
@@ -30312,11 +30050,7 @@
             </a:r>
             <a:r>
               <a:rPr lang="en-US" altLang="ko-KR" dirty="0" smtClean="0"/>
-              <a:t>(</a:t>
-            </a:r>
-            <a:r>
-              <a:rPr lang="en-US" altLang="ko-KR" dirty="0" smtClean="0"/>
-              <a:t>vs</a:t>
+              <a:t>(vs</a:t>
             </a:r>
             <a:r>
               <a:rPr lang="ko-KR" altLang="en-US" dirty="0" err="1" smtClean="0"/>
@@ -32381,11 +32115,7 @@
             </a:r>
             <a:r>
               <a:rPr lang="en-US" altLang="ko-KR" dirty="0" smtClean="0"/>
-              <a:t>(</a:t>
-            </a:r>
-            <a:r>
-              <a:rPr lang="en-US" altLang="ko-KR" dirty="0" smtClean="0"/>
-              <a:t>vs</a:t>
+              <a:t>(vs</a:t>
             </a:r>
             <a:r>
               <a:rPr lang="ko-KR" altLang="en-US" dirty="0" err="1" smtClean="0"/>
@@ -34484,11 +34214,7 @@
             </a:r>
             <a:r>
               <a:rPr lang="en-US" altLang="ko-KR" dirty="0" smtClean="0"/>
-              <a:t>(</a:t>
-            </a:r>
-            <a:r>
-              <a:rPr lang="en-US" altLang="ko-KR" dirty="0" smtClean="0"/>
-              <a:t>vs</a:t>
+              <a:t>(vs</a:t>
             </a:r>
             <a:r>
               <a:rPr lang="ko-KR" altLang="en-US" dirty="0" err="1" smtClean="0"/>
@@ -36733,11 +36459,7 @@
             </a:r>
             <a:r>
               <a:rPr lang="en-US" altLang="ko-KR" dirty="0" smtClean="0"/>
-              <a:t>(</a:t>
-            </a:r>
-            <a:r>
-              <a:rPr lang="en-US" altLang="ko-KR" dirty="0" smtClean="0"/>
-              <a:t>vs</a:t>
+              <a:t>(vs</a:t>
             </a:r>
             <a:r>
               <a:rPr lang="ko-KR" altLang="en-US" dirty="0" err="1" smtClean="0"/>
@@ -38800,11 +38522,7 @@
             </a:r>
             <a:r>
               <a:rPr lang="en-US" altLang="ko-KR" dirty="0" smtClean="0"/>
-              <a:t>(</a:t>
-            </a:r>
-            <a:r>
-              <a:rPr lang="en-US" altLang="ko-KR" dirty="0" smtClean="0"/>
-              <a:t>vs</a:t>
+              <a:t>(vs</a:t>
             </a:r>
             <a:r>
               <a:rPr lang="ko-KR" altLang="en-US" dirty="0" err="1" smtClean="0"/>
@@ -41064,11 +40782,7 @@
             </a:r>
             <a:r>
               <a:rPr lang="en-US" altLang="ko-KR" dirty="0" smtClean="0"/>
-              <a:t>(</a:t>
-            </a:r>
-            <a:r>
-              <a:rPr lang="en-US" altLang="ko-KR" dirty="0" smtClean="0"/>
-              <a:t>vs</a:t>
+              <a:t>(vs</a:t>
             </a:r>
             <a:r>
               <a:rPr lang="ko-KR" altLang="en-US" dirty="0" err="1" smtClean="0"/>
@@ -43241,11 +42955,7 @@
             </a:r>
             <a:r>
               <a:rPr lang="en-US" altLang="ko-KR" dirty="0" smtClean="0"/>
-              <a:t>(</a:t>
-            </a:r>
-            <a:r>
-              <a:rPr lang="en-US" altLang="ko-KR" dirty="0" smtClean="0"/>
-              <a:t>vs</a:t>
+              <a:t>(vs</a:t>
             </a:r>
             <a:r>
               <a:rPr lang="ko-KR" altLang="en-US" dirty="0" err="1" smtClean="0"/>
